--- a/MIPv6_HIP_Performance_Final_Report.pptx
+++ b/MIPv6_HIP_Performance_Final_Report.pptx
@@ -5,10 +5,10 @@
     <p:sldMasterId id="2147483660" r:id="rId1"/>
   </p:sldMasterIdLst>
   <p:notesMasterIdLst>
-    <p:notesMasterId r:id="rId12"/>
+    <p:notesMasterId r:id="rId13"/>
   </p:notesMasterIdLst>
   <p:handoutMasterIdLst>
-    <p:handoutMasterId r:id="rId13"/>
+    <p:handoutMasterId r:id="rId14"/>
   </p:handoutMasterIdLst>
   <p:sldIdLst>
     <p:sldId id="256" r:id="rId2"/>
@@ -21,6 +21,7 @@
     <p:sldId id="264" r:id="rId9"/>
     <p:sldId id="262" r:id="rId10"/>
     <p:sldId id="266" r:id="rId11"/>
+    <p:sldId id="267" r:id="rId12"/>
   </p:sldIdLst>
   <p:sldSz cx="12192000" cy="6858000"/>
   <p:notesSz cx="6858000" cy="9144000"/>
@@ -3052,6 +3053,238 @@
 </p:sld>
 </file>
 
+<file path=ppt/slides/slide11.xml><?xml version="1.0" encoding="utf-8"?>
+<p:sld xmlns:a="http://schemas.openxmlformats.org/drawingml/2006/main" xmlns:r="http://schemas.openxmlformats.org/officeDocument/2006/relationships" xmlns:p="http://schemas.openxmlformats.org/presentationml/2006/main">
+  <p:cSld>
+    <p:spTree>
+      <p:nvGrpSpPr>
+        <p:cNvPr id="1" name=""/>
+        <p:cNvGrpSpPr/>
+        <p:nvPr/>
+      </p:nvGrpSpPr>
+      <p:grpSpPr>
+        <a:xfrm>
+          <a:off x="0" y="0"/>
+          <a:ext cx="0" cy="0"/>
+          <a:chOff x="0" y="0"/>
+          <a:chExt cx="0" cy="0"/>
+        </a:xfrm>
+      </p:grpSpPr>
+      <p:sp>
+        <p:nvSpPr>
+          <p:cNvPr id="8" name="Footer Placeholder 7"/>
+          <p:cNvSpPr>
+            <a:spLocks noGrp="1"/>
+          </p:cNvSpPr>
+          <p:nvPr>
+            <p:ph type="ftr" sz="quarter" idx="5"/>
+          </p:nvPr>
+        </p:nvSpPr>
+        <p:spPr/>
+        <p:txBody>
+          <a:bodyPr/>
+          <a:lstStyle/>
+          <a:p>
+            <a:pPr marL="12700" marR="0" lvl="0" indent="0" algn="l" defTabSz="914400" rtl="0" eaLnBrk="1" fontAlgn="auto" latinLnBrk="0" hangingPunct="1">
+              <a:lnSpc>
+                <a:spcPct val="100000"/>
+              </a:lnSpc>
+              <a:spcBef>
+                <a:spcPts val="0"/>
+              </a:spcBef>
+              <a:spcAft>
+                <a:spcPts val="0"/>
+              </a:spcAft>
+              <a:buClrTx/>
+              <a:buSzTx/>
+              <a:buFontTx/>
+              <a:buNone/>
+              <a:tabLst/>
+              <a:defRPr/>
+            </a:pPr>
+            <a:r>
+              <a:rPr kumimoji="0" lang="en-IN" sz="1200" b="0" i="0" u="none" strike="noStrike" kern="1200" cap="none" spc="-45" normalizeH="0" baseline="0" noProof="0" smtClean="0">
+                <a:ln>
+                  <a:noFill/>
+                </a:ln>
+                <a:solidFill>
+                  <a:srgbClr val="333333"/>
+                </a:solidFill>
+                <a:effectLst/>
+                <a:uLnTx/>
+                <a:uFillTx/>
+                <a:latin typeface="Arial"/>
+                <a:ea typeface="+mn-ea"/>
+                <a:cs typeface="Arial"/>
+              </a:rPr>
+              <a:t>MIPv6 and HIP Performance Evaluation</a:t>
+            </a:r>
+            <a:endParaRPr kumimoji="0" lang="en-IN" sz="1200" b="0" i="0" u="none" strike="noStrike" kern="1200" cap="none" spc="0" normalizeH="0" baseline="0" noProof="0" dirty="0">
+              <a:ln>
+                <a:noFill/>
+              </a:ln>
+              <a:solidFill>
+                <a:srgbClr val="333333"/>
+              </a:solidFill>
+              <a:effectLst/>
+              <a:uLnTx/>
+              <a:uFillTx/>
+              <a:latin typeface="Arial"/>
+              <a:ea typeface="+mn-ea"/>
+              <a:cs typeface="Arial"/>
+            </a:endParaRPr>
+          </a:p>
+        </p:txBody>
+      </p:sp>
+      <p:sp>
+        <p:nvSpPr>
+          <p:cNvPr id="6" name="Text Placeholder 2"/>
+          <p:cNvSpPr txBox="1">
+            <a:spLocks/>
+          </p:cNvSpPr>
+          <p:nvPr/>
+        </p:nvSpPr>
+        <p:spPr>
+          <a:xfrm>
+            <a:off x="582298" y="1692504"/>
+            <a:ext cx="11027403" cy="3662541"/>
+          </a:xfrm>
+          <a:prstGeom prst="rect">
+            <a:avLst/>
+          </a:prstGeom>
+        </p:spPr>
+        <p:txBody>
+          <a:bodyPr/>
+          <a:lstStyle>
+            <a:lvl1pPr marL="0">
+              <a:defRPr>
+                <a:latin typeface="+mn-lt"/>
+                <a:ea typeface="+mn-ea"/>
+                <a:cs typeface="+mn-cs"/>
+              </a:defRPr>
+            </a:lvl1pPr>
+            <a:lvl2pPr marL="457200">
+              <a:defRPr>
+                <a:latin typeface="+mn-lt"/>
+                <a:ea typeface="+mn-ea"/>
+                <a:cs typeface="+mn-cs"/>
+              </a:defRPr>
+            </a:lvl2pPr>
+            <a:lvl3pPr marL="914400">
+              <a:defRPr>
+                <a:latin typeface="+mn-lt"/>
+                <a:ea typeface="+mn-ea"/>
+                <a:cs typeface="+mn-cs"/>
+              </a:defRPr>
+            </a:lvl3pPr>
+            <a:lvl4pPr marL="1371600">
+              <a:defRPr>
+                <a:latin typeface="+mn-lt"/>
+                <a:ea typeface="+mn-ea"/>
+                <a:cs typeface="+mn-cs"/>
+              </a:defRPr>
+            </a:lvl4pPr>
+            <a:lvl5pPr marL="1828800">
+              <a:defRPr>
+                <a:latin typeface="+mn-lt"/>
+                <a:ea typeface="+mn-ea"/>
+                <a:cs typeface="+mn-cs"/>
+              </a:defRPr>
+            </a:lvl5pPr>
+            <a:lvl6pPr marL="2286000">
+              <a:defRPr>
+                <a:latin typeface="+mn-lt"/>
+                <a:ea typeface="+mn-ea"/>
+                <a:cs typeface="+mn-cs"/>
+              </a:defRPr>
+            </a:lvl6pPr>
+            <a:lvl7pPr marL="2743200">
+              <a:defRPr>
+                <a:latin typeface="+mn-lt"/>
+                <a:ea typeface="+mn-ea"/>
+                <a:cs typeface="+mn-cs"/>
+              </a:defRPr>
+            </a:lvl7pPr>
+            <a:lvl8pPr marL="3200400">
+              <a:defRPr>
+                <a:latin typeface="+mn-lt"/>
+                <a:ea typeface="+mn-ea"/>
+                <a:cs typeface="+mn-cs"/>
+              </a:defRPr>
+            </a:lvl8pPr>
+            <a:lvl9pPr marL="3657600">
+              <a:defRPr>
+                <a:latin typeface="+mn-lt"/>
+                <a:ea typeface="+mn-ea"/>
+                <a:cs typeface="+mn-cs"/>
+              </a:defRPr>
+            </a:lvl9pPr>
+          </a:lstStyle>
+          <a:p>
+            <a:pPr algn="ctr" rtl="0"/>
+            <a:r>
+              <a:rPr lang="en-IN" sz="7200" kern="1200" smtClean="0">
+                <a:solidFill>
+                  <a:prstClr val="black"/>
+                </a:solidFill>
+                <a:latin typeface="Arial" panose="020B0604020202020204" pitchFamily="34" charset="0"/>
+                <a:cs typeface="Arial" panose="020B0604020202020204" pitchFamily="34" charset="0"/>
+              </a:rPr>
+              <a:t>THANK YOU!</a:t>
+            </a:r>
+          </a:p>
+          <a:p>
+            <a:pPr algn="ctr" rtl="0"/>
+            <a:endParaRPr lang="en-IN" sz="7200" kern="1200" smtClean="0">
+              <a:solidFill>
+                <a:prstClr val="black"/>
+              </a:solidFill>
+              <a:latin typeface="Arial" panose="020B0604020202020204" pitchFamily="34" charset="0"/>
+              <a:cs typeface="Arial" panose="020B0604020202020204" pitchFamily="34" charset="0"/>
+            </a:endParaRPr>
+          </a:p>
+          <a:p>
+            <a:pPr algn="ctr" rtl="0"/>
+            <a:r>
+              <a:rPr lang="en-IN" sz="7200" kern="1200" smtClean="0">
+                <a:solidFill>
+                  <a:prstClr val="black"/>
+                </a:solidFill>
+                <a:latin typeface="Arial" panose="020B0604020202020204" pitchFamily="34" charset="0"/>
+                <a:cs typeface="Arial" panose="020B0604020202020204" pitchFamily="34" charset="0"/>
+              </a:rPr>
+              <a:t>Questions?</a:t>
+            </a:r>
+          </a:p>
+          <a:p>
+            <a:endParaRPr lang="en-IN" kern="0" dirty="0">
+              <a:solidFill>
+                <a:sysClr val="windowText" lastClr="000000"/>
+              </a:solidFill>
+            </a:endParaRPr>
+          </a:p>
+        </p:txBody>
+      </p:sp>
+    </p:spTree>
+    <p:extLst>
+      <p:ext uri="{BB962C8B-B14F-4D97-AF65-F5344CB8AC3E}">
+        <p14:creationId xmlns:p14="http://schemas.microsoft.com/office/powerpoint/2010/main" val="3182424362"/>
+      </p:ext>
+    </p:extLst>
+  </p:cSld>
+  <p:clrMapOvr>
+    <a:masterClrMapping/>
+  </p:clrMapOvr>
+  <p:timing>
+    <p:tnLst>
+      <p:par>
+        <p:cTn id="1" dur="indefinite" restart="never" nodeType="tmRoot"/>
+      </p:par>
+    </p:tnLst>
+  </p:timing>
+</p:sld>
+</file>
+
 <file path=ppt/slides/slide2.xml><?xml version="1.0" encoding="utf-8"?>
 <p:sld xmlns:a="http://schemas.openxmlformats.org/drawingml/2006/main" xmlns:r="http://schemas.openxmlformats.org/officeDocument/2006/relationships" xmlns:p="http://schemas.openxmlformats.org/presentationml/2006/main">
   <p:cSld>
@@ -3157,13 +3390,8 @@
             </a:pPr>
             <a:r>
               <a:rPr lang="en-IN" dirty="0" smtClean="0"/>
-              <a:t>Experimental </a:t>
-            </a:r>
-            <a:r>
-              <a:rPr lang="en-IN" dirty="0" smtClean="0"/>
-              <a:t>Setup and evaluation</a:t>
-            </a:r>
-            <a:endParaRPr lang="en-IN" dirty="0" smtClean="0"/>
+              <a:t>Experimental Setup and evaluation</a:t>
+            </a:r>
           </a:p>
           <a:p>
             <a:pPr marL="342900" indent="-342900">
@@ -3389,13 +3617,8 @@
             </a:pPr>
             <a:r>
               <a:rPr lang="en-IN" dirty="0" smtClean="0"/>
-              <a:t>Mobility protocols provide reachability and connectivity to mobile </a:t>
-            </a:r>
-            <a:r>
-              <a:rPr lang="en-IN" dirty="0" smtClean="0"/>
-              <a:t>devices.</a:t>
-            </a:r>
-            <a:endParaRPr lang="en-IN" dirty="0" smtClean="0"/>
+              <a:t>Mobility protocols provide reachability and connectivity to mobile devices.</a:t>
+            </a:r>
           </a:p>
           <a:p>
             <a:pPr marL="342900" indent="-342900">
@@ -4782,7 +5005,7 @@
           <a:graphicData uri="http://schemas.openxmlformats.org/presentationml/2006/ole">
             <mc:AlternateContent xmlns:mc="http://schemas.openxmlformats.org/markup-compatibility/2006">
               <mc:Choice xmlns:v="urn:schemas-microsoft-com:vml" Requires="v">
-                <p:oleObj spid="_x0000_s2057" name="Macro-Enabled Worksheet" r:id="rId3" imgW="7650381" imgH="2568024" progId="Excel.SheetMacroEnabled.12">
+                <p:oleObj spid="_x0000_s2059" name="Macro-Enabled Worksheet" r:id="rId3" imgW="7650381" imgH="2568024" progId="Excel.SheetMacroEnabled.12">
                   <p:embed/>
                 </p:oleObj>
               </mc:Choice>

--- a/MIPv6_HIP_Performance_Final_Report.pptx
+++ b/MIPv6_HIP_Performance_Final_Report.pptx
@@ -210,7 +210,7 @@
           <a:p>
             <a:fld id="{998B30ED-1498-4AB0-9972-FFA152E41E07}" type="datetimeFigureOut">
               <a:rPr lang="en-IN" smtClean="0"/>
-              <a:t>29-05-2016</a:t>
+              <a:t>30-05-2016</a:t>
             </a:fld>
             <a:endParaRPr lang="en-IN"/>
           </a:p>
@@ -380,7 +380,7 @@
           <a:p>
             <a:fld id="{822FC1C3-E6FC-4199-BEFF-0DBF94838697}" type="datetimeFigureOut">
               <a:rPr lang="en-IN" smtClean="0"/>
-              <a:t>29-05-2016</a:t>
+              <a:t>30-05-2016</a:t>
             </a:fld>
             <a:endParaRPr lang="en-IN"/>
           </a:p>
@@ -3373,8 +3373,13 @@
             </a:pPr>
             <a:r>
               <a:rPr lang="en-IN" dirty="0" smtClean="0"/>
-              <a:t>Updates in experiment</a:t>
-            </a:r>
+              <a:t>Updates </a:t>
+            </a:r>
+            <a:r>
+              <a:rPr lang="en-IN" dirty="0" smtClean="0"/>
+              <a:t>since last presentation</a:t>
+            </a:r>
+            <a:endParaRPr lang="en-IN" dirty="0" smtClean="0"/>
           </a:p>
           <a:p>
             <a:pPr marL="342900" indent="-342900">
@@ -3390,7 +3395,11 @@
             </a:pPr>
             <a:r>
               <a:rPr lang="en-IN" dirty="0" smtClean="0"/>
-              <a:t>Experimental Setup and evaluation</a:t>
+              <a:t>Experimental Setup </a:t>
+            </a:r>
+            <a:r>
+              <a:rPr lang="en-IN" dirty="0" smtClean="0"/>
+              <a:t>and Metrics</a:t>
             </a:r>
           </a:p>
           <a:p>
@@ -3398,7 +3407,7 @@
               <a:buFont typeface="Arial" panose="020B0604020202020204" pitchFamily="34" charset="0"/>
               <a:buChar char="•"/>
             </a:pPr>
-            <a:endParaRPr lang="en-IN" dirty="0" smtClean="0"/>
+            <a:endParaRPr lang="en-IN" dirty="0"/>
           </a:p>
           <a:p>
             <a:pPr marL="342900" indent="-342900">
@@ -3407,8 +3416,9 @@
             </a:pPr>
             <a:r>
               <a:rPr lang="en-IN" dirty="0" smtClean="0"/>
-              <a:t>Result</a:t>
-            </a:r>
+              <a:t>Evaluation</a:t>
+            </a:r>
+            <a:endParaRPr lang="en-IN" dirty="0" smtClean="0"/>
           </a:p>
           <a:p>
             <a:pPr marL="342900" indent="-342900">
@@ -3424,7 +3434,7 @@
             </a:pPr>
             <a:r>
               <a:rPr lang="en-IN" dirty="0" smtClean="0"/>
-              <a:t>Conclusion</a:t>
+              <a:t>Result</a:t>
             </a:r>
           </a:p>
           <a:p>
@@ -3441,14 +3451,10 @@
             </a:pPr>
             <a:r>
               <a:rPr lang="en-IN" dirty="0" smtClean="0"/>
-              <a:t>References</a:t>
-            </a:r>
-          </a:p>
-          <a:p>
-            <a:pPr marL="342900" indent="-342900">
-              <a:buFont typeface="Arial" panose="020B0604020202020204" pitchFamily="34" charset="0"/>
-              <a:buChar char="•"/>
-            </a:pPr>
+              <a:t>Conclusion</a:t>
+            </a:r>
+          </a:p>
+          <a:p>
             <a:endParaRPr lang="en-IN" dirty="0" smtClean="0"/>
           </a:p>
           <a:p>
@@ -3884,7 +3890,7 @@
         <p:spPr>
           <a:xfrm>
             <a:off x="426504" y="1757309"/>
-            <a:ext cx="11058521" cy="3385542"/>
+            <a:ext cx="11058521" cy="3724096"/>
           </a:xfrm>
         </p:spPr>
         <p:txBody>
@@ -3928,7 +3934,11 @@
             </a:pPr>
             <a:r>
               <a:rPr lang="en-IN" dirty="0" smtClean="0"/>
-              <a:t>Mobile node initially is not in range of any access point. This is done to enable auto-configuration of the mobile node.</a:t>
+              <a:t>Mobile node initially is not in range of any access point. This is done to enable auto-configuration of the mobile node</a:t>
+            </a:r>
+            <a:r>
+              <a:rPr lang="en-IN" dirty="0" smtClean="0"/>
+              <a:t>.</a:t>
             </a:r>
           </a:p>
           <a:p>
@@ -3936,6 +3946,17 @@
               <a:buFont typeface="Arial" panose="020B0604020202020204" pitchFamily="34" charset="0"/>
               <a:buChar char="•"/>
             </a:pPr>
+            <a:endParaRPr lang="en-IN" dirty="0" smtClean="0"/>
+          </a:p>
+          <a:p>
+            <a:pPr marL="342900" indent="-342900">
+              <a:buFont typeface="Arial" panose="020B0604020202020204" pitchFamily="34" charset="0"/>
+              <a:buChar char="•"/>
+            </a:pPr>
+            <a:r>
+              <a:rPr lang="en-IN" dirty="0" smtClean="0"/>
+              <a:t>Re-baselined the two networks and configuration.</a:t>
+            </a:r>
             <a:endParaRPr lang="en-IN" dirty="0"/>
           </a:p>
           <a:p>
@@ -4409,8 +4430,8 @@
         </p:nvSpPr>
         <p:spPr>
           <a:xfrm>
-            <a:off x="426504" y="1757309"/>
-            <a:ext cx="11058521" cy="3139321"/>
+            <a:off x="426504" y="1585859"/>
+            <a:ext cx="11058521" cy="4678204"/>
           </a:xfrm>
         </p:spPr>
         <p:txBody>
@@ -4538,8 +4559,56 @@
             </a:r>
             <a:r>
               <a:rPr lang="en-IN" sz="2000" dirty="0"/>
-              <a:t>in seconds.</a:t>
-            </a:r>
+              <a:t>in seconds</a:t>
+            </a:r>
+            <a:r>
+              <a:rPr lang="en-IN" sz="2000" dirty="0" smtClean="0"/>
+              <a:t>.</a:t>
+            </a:r>
+          </a:p>
+          <a:p>
+            <a:pPr marL="342900" indent="-342900">
+              <a:buFont typeface="Arial" panose="020B0604020202020204" pitchFamily="34" charset="0"/>
+              <a:buChar char="•"/>
+            </a:pPr>
+            <a:endParaRPr lang="en-IN" sz="2000" dirty="0"/>
+          </a:p>
+          <a:p>
+            <a:r>
+              <a:rPr lang="en-IN" sz="2000" dirty="0" smtClean="0"/>
+              <a:t>Evaluated using three speeds :</a:t>
+            </a:r>
+          </a:p>
+          <a:p>
+            <a:pPr marL="342900" indent="-342900">
+              <a:buFont typeface="Arial" panose="020B0604020202020204" pitchFamily="34" charset="0"/>
+              <a:buChar char="•"/>
+            </a:pPr>
+            <a:r>
+              <a:rPr lang="en-IN" sz="2000" dirty="0" smtClean="0"/>
+              <a:t>Pedestrian – 5Km/hr.</a:t>
+            </a:r>
+          </a:p>
+          <a:p>
+            <a:pPr marL="342900" indent="-342900">
+              <a:buFont typeface="Arial" panose="020B0604020202020204" pitchFamily="34" charset="0"/>
+              <a:buChar char="•"/>
+            </a:pPr>
+            <a:r>
+              <a:rPr lang="en-IN" sz="2000" dirty="0" smtClean="0"/>
+              <a:t>In-Town – 40 km/hr</a:t>
+            </a:r>
+          </a:p>
+          <a:p>
+            <a:pPr marL="342900" indent="-342900">
+              <a:buFont typeface="Arial" panose="020B0604020202020204" pitchFamily="34" charset="0"/>
+              <a:buChar char="•"/>
+            </a:pPr>
+            <a:r>
+              <a:rPr lang="en-IN" sz="2000" dirty="0" smtClean="0"/>
+              <a:t>Train speed – 200 km/hr</a:t>
+            </a:r>
+            <a:endParaRPr lang="en-IN" sz="2000" dirty="0"/>
           </a:p>
         </p:txBody>
       </p:sp>
@@ -4879,7 +4948,11 @@
           <a:p>
             <a:r>
               <a:rPr lang="en-IN" dirty="0" smtClean="0"/>
-              <a:t>Experimental Evaluation</a:t>
+              <a:t>Experimental </a:t>
+            </a:r>
+            <a:r>
+              <a:rPr lang="en-IN" dirty="0" smtClean="0"/>
+              <a:t>Evaluation (Contd..)</a:t>
             </a:r>
             <a:endParaRPr lang="en-IN" dirty="0"/>
           </a:p>
@@ -5005,7 +5078,7 @@
           <a:graphicData uri="http://schemas.openxmlformats.org/presentationml/2006/ole">
             <mc:AlternateContent xmlns:mc="http://schemas.openxmlformats.org/markup-compatibility/2006">
               <mc:Choice xmlns:v="urn:schemas-microsoft-com:vml" Requires="v">
-                <p:oleObj spid="_x0000_s2059" name="Macro-Enabled Worksheet" r:id="rId3" imgW="7650381" imgH="2568024" progId="Excel.SheetMacroEnabled.12">
+                <p:oleObj spid="_x0000_s2064" name="Macro-Enabled Worksheet" r:id="rId3" imgW="7650381" imgH="2568024" progId="Excel.SheetMacroEnabled.12">
                   <p:embed/>
                 </p:oleObj>
               </mc:Choice>
